--- a/ppt/ReactNative初探.pptx
+++ b/ppt/ReactNative初探.pptx
@@ -10,10 +10,10 @@
     <p:sldId id="258" r:id="rId4"/>
     <p:sldId id="261" r:id="rId5"/>
     <p:sldId id="260" r:id="rId6"/>
-    <p:sldId id="259" r:id="rId7"/>
-    <p:sldId id="262" r:id="rId8"/>
-    <p:sldId id="263" r:id="rId9"/>
-    <p:sldId id="264" r:id="rId10"/>
+    <p:sldId id="262" r:id="rId7"/>
+    <p:sldId id="263" r:id="rId8"/>
+    <p:sldId id="264" r:id="rId9"/>
+    <p:sldId id="259" r:id="rId10"/>
   </p:sldIdLst>
   <p:sldSz cx="9144000" cy="6858000" type="screen4x3"/>
   <p:notesSz cx="6858000" cy="9144000"/>
@@ -350,7 +350,7 @@
           <a:p>
             <a:fld id="{D140825E-4A15-4D39-8176-1F07E904CB30}" type="datetimeFigureOut">
               <a:rPr lang="en-US" smtClean="0"/>
-              <a:t>15/5/15</a:t>
+              <a:t>15/5/18</a:t>
             </a:fld>
             <a:endParaRPr lang="en-US"/>
           </a:p>
@@ -441,7 +441,7 @@
           <a:p>
             <a:fld id="{D140825E-4A15-4D39-8176-1F07E904CB30}" type="datetimeFigureOut">
               <a:rPr lang="en-US" smtClean="0"/>
-              <a:t>15/5/15</a:t>
+              <a:t>15/5/18</a:t>
             </a:fld>
             <a:endParaRPr lang="en-US"/>
           </a:p>
@@ -744,7 +744,7 @@
           <a:p>
             <a:fld id="{D140825E-4A15-4D39-8176-1F07E904CB30}" type="datetimeFigureOut">
               <a:rPr lang="en-US" smtClean="0"/>
-              <a:t>15/5/15</a:t>
+              <a:t>15/5/18</a:t>
             </a:fld>
             <a:endParaRPr lang="en-US"/>
           </a:p>
@@ -965,7 +965,7 @@
           <a:p>
             <a:fld id="{D140825E-4A15-4D39-8176-1F07E904CB30}" type="datetimeFigureOut">
               <a:rPr lang="en-US" smtClean="0"/>
-              <a:t>15/5/15</a:t>
+              <a:t>15/5/18</a:t>
             </a:fld>
             <a:endParaRPr lang="en-US"/>
           </a:p>
@@ -1353,7 +1353,7 @@
           <a:p>
             <a:fld id="{D140825E-4A15-4D39-8176-1F07E904CB30}" type="datetimeFigureOut">
               <a:rPr lang="en-US" smtClean="0"/>
-              <a:t>15/5/15</a:t>
+              <a:t>15/5/18</a:t>
             </a:fld>
             <a:endParaRPr lang="en-US"/>
           </a:p>
@@ -1661,7 +1661,7 @@
           <a:p>
             <a:fld id="{D140825E-4A15-4D39-8176-1F07E904CB30}" type="datetimeFigureOut">
               <a:rPr lang="en-US" smtClean="0"/>
-              <a:t>15/5/15</a:t>
+              <a:t>15/5/18</a:t>
             </a:fld>
             <a:endParaRPr lang="en-US"/>
           </a:p>
@@ -1859,7 +1859,7 @@
           <a:p>
             <a:fld id="{D140825E-4A15-4D39-8176-1F07E904CB30}" type="datetimeFigureOut">
               <a:rPr lang="en-US" smtClean="0"/>
-              <a:t>15/5/15</a:t>
+              <a:t>15/5/18</a:t>
             </a:fld>
             <a:endParaRPr lang="en-US"/>
           </a:p>
@@ -2062,7 +2062,7 @@
           <a:p>
             <a:fld id="{D140825E-4A15-4D39-8176-1F07E904CB30}" type="datetimeFigureOut">
               <a:rPr lang="en-US" smtClean="0"/>
-              <a:t>15/5/15</a:t>
+              <a:t>15/5/18</a:t>
             </a:fld>
             <a:endParaRPr lang="en-US"/>
           </a:p>
@@ -2255,7 +2255,7 @@
           <a:p>
             <a:fld id="{D140825E-4A15-4D39-8176-1F07E904CB30}" type="datetimeFigureOut">
               <a:rPr lang="en-US" smtClean="0"/>
-              <a:t>15/5/15</a:t>
+              <a:t>15/5/18</a:t>
             </a:fld>
             <a:endParaRPr lang="en-US"/>
           </a:p>
@@ -2527,7 +2527,7 @@
           <a:p>
             <a:fld id="{D140825E-4A15-4D39-8176-1F07E904CB30}" type="datetimeFigureOut">
               <a:rPr lang="en-US" smtClean="0"/>
-              <a:t>15/5/15</a:t>
+              <a:t>15/5/18</a:t>
             </a:fld>
             <a:endParaRPr lang="en-US"/>
           </a:p>
@@ -2838,7 +2838,7 @@
           <a:p>
             <a:fld id="{D140825E-4A15-4D39-8176-1F07E904CB30}" type="datetimeFigureOut">
               <a:rPr lang="en-US" smtClean="0"/>
-              <a:t>15/5/15</a:t>
+              <a:t>15/5/18</a:t>
             </a:fld>
             <a:endParaRPr lang="en-US"/>
           </a:p>
@@ -3304,7 +3304,7 @@
           <a:p>
             <a:fld id="{D140825E-4A15-4D39-8176-1F07E904CB30}" type="datetimeFigureOut">
               <a:rPr lang="en-US" smtClean="0"/>
-              <a:t>15/5/15</a:t>
+              <a:t>15/5/18</a:t>
             </a:fld>
             <a:endParaRPr lang="en-US"/>
           </a:p>
@@ -3668,7 +3668,7 @@
           <a:p>
             <a:fld id="{D140825E-4A15-4D39-8176-1F07E904CB30}" type="datetimeFigureOut">
               <a:rPr lang="en-US" smtClean="0"/>
-              <a:t>15/5/15</a:t>
+              <a:t>15/5/18</a:t>
             </a:fld>
             <a:endParaRPr lang="en-US"/>
           </a:p>
@@ -3979,7 +3979,7 @@
           <a:p>
             <a:fld id="{D140825E-4A15-4D39-8176-1F07E904CB30}" type="datetimeFigureOut">
               <a:rPr lang="en-US" smtClean="0"/>
-              <a:t>15/5/15</a:t>
+              <a:t>15/5/18</a:t>
             </a:fld>
             <a:endParaRPr lang="en-US"/>
           </a:p>
@@ -4290,7 +4290,7 @@
           <a:p>
             <a:fld id="{D140825E-4A15-4D39-8176-1F07E904CB30}" type="datetimeFigureOut">
               <a:rPr lang="en-US" smtClean="0"/>
-              <a:t>15/5/15</a:t>
+              <a:t>15/5/18</a:t>
             </a:fld>
             <a:endParaRPr lang="en-US"/>
           </a:p>
@@ -4775,7 +4775,7 @@
           <a:p>
             <a:fld id="{D140825E-4A15-4D39-8176-1F07E904CB30}" type="datetimeFigureOut">
               <a:rPr lang="en-US" smtClean="0"/>
-              <a:t>15/5/15</a:t>
+              <a:t>15/5/18</a:t>
             </a:fld>
             <a:endParaRPr lang="en-US"/>
           </a:p>
@@ -5038,7 +5038,7 @@
           <a:p>
             <a:fld id="{D140825E-4A15-4D39-8176-1F07E904CB30}" type="datetimeFigureOut">
               <a:rPr lang="en-US" smtClean="0"/>
-              <a:t>15/5/15</a:t>
+              <a:t>15/5/18</a:t>
             </a:fld>
             <a:endParaRPr lang="en-US"/>
           </a:p>
@@ -5566,15 +5566,30 @@
           </a:p>
           <a:p>
             <a:r>
+              <a:rPr lang="en-US" altLang="zh-CN" dirty="0" smtClean="0"/>
+              <a:t>JSX</a:t>
+            </a:r>
+            <a:r>
               <a:rPr lang="zh-CN" altLang="en-US" dirty="0" smtClean="0"/>
-              <a:t>合成事件</a:t>
+              <a:t>模板</a:t>
             </a:r>
             <a:endParaRPr lang="en-US" altLang="zh-CN" dirty="0" smtClean="0"/>
           </a:p>
           <a:p>
             <a:r>
-              <a:rPr lang="en-US" dirty="0" err="1" smtClean="0"/>
-              <a:t>安装与DEMO</a:t>
+              <a:rPr lang="zh-CN" altLang="en-US" dirty="0" smtClean="0"/>
+              <a:t>合成</a:t>
+            </a:r>
+            <a:r>
+              <a:rPr lang="zh-CN" altLang="en-US" dirty="0" smtClean="0"/>
+              <a:t>事件</a:t>
+            </a:r>
+            <a:endParaRPr lang="en-US" altLang="zh-CN" dirty="0" smtClean="0"/>
+          </a:p>
+          <a:p>
+            <a:r>
+              <a:rPr lang="en-US" dirty="0" smtClean="0"/>
+              <a:t>DEMO</a:t>
             </a:r>
             <a:r>
               <a:rPr lang="zh-CN" altLang="en-US" dirty="0" smtClean="0"/>
@@ -5885,16 +5900,24 @@
         </p:nvSpPr>
         <p:spPr/>
         <p:txBody>
-          <a:bodyPr/>
-          <a:lstStyle/>
-          <a:p>
-            <a:r>
-              <a:rPr lang="en-US" dirty="0" err="1" smtClean="0"/>
-              <a:t>React</a:t>
-            </a:r>
-            <a:r>
-              <a:rPr lang="en-US" dirty="0" err="1" smtClean="0"/>
-              <a:t>框架</a:t>
+          <a:bodyPr>
+            <a:normAutofit/>
+          </a:bodyPr>
+          <a:lstStyle/>
+          <a:p>
+            <a:r>
+              <a:rPr lang="en-US" dirty="0" smtClean="0"/>
+              <a:t>React 框架</a:t>
+            </a:r>
+          </a:p>
+          <a:p>
+            <a:r>
+              <a:rPr lang="en-US" altLang="zh-CN" dirty="0"/>
+              <a:t>Virtual </a:t>
+            </a:r>
+            <a:r>
+              <a:rPr lang="en-US" altLang="zh-CN" dirty="0" smtClean="0"/>
+              <a:t>Dom</a:t>
             </a:r>
             <a:endParaRPr lang="en-US" dirty="0" smtClean="0"/>
           </a:p>
@@ -5911,47 +5934,114 @@
           </a:p>
           <a:p>
             <a:r>
-              <a:rPr lang="en-US" altLang="zh-CN" dirty="0" smtClean="0"/>
-              <a:t>Virtual Dom</a:t>
-            </a:r>
-            <a:endParaRPr lang="en-US" dirty="0" smtClean="0"/>
-          </a:p>
-          <a:p>
-            <a:r>
               <a:rPr lang="zh-CN" altLang="en-US" dirty="0" smtClean="0"/>
-              <a:t>合成事件</a:t>
+              <a:t>合成</a:t>
+            </a:r>
+            <a:r>
+              <a:rPr lang="zh-CN" altLang="en-US" dirty="0" smtClean="0"/>
+              <a:t>事件</a:t>
             </a:r>
             <a:endParaRPr lang="en-US" altLang="zh-CN" dirty="0" smtClean="0"/>
           </a:p>
           <a:p>
             <a:r>
-              <a:rPr lang="en-US" altLang="zh-CN" dirty="0" smtClean="0"/>
+              <a:rPr lang="en-US" altLang="zh-CN" dirty="0" smtClean="0">
+                <a:solidFill>
+                  <a:schemeClr val="bg1">
+                    <a:lumMod val="75000"/>
+                  </a:schemeClr>
+                </a:solidFill>
+              </a:rPr>
               <a:t>IOS</a:t>
             </a:r>
             <a:r>
-              <a:rPr lang="zh-CN" altLang="en-US" dirty="0" smtClean="0"/>
+              <a:rPr lang="zh-CN" altLang="en-US" dirty="0" smtClean="0">
+                <a:solidFill>
+                  <a:schemeClr val="bg1">
+                    <a:lumMod val="75000"/>
+                  </a:schemeClr>
+                </a:solidFill>
+              </a:rPr>
               <a:t>组件封装</a:t>
             </a:r>
-            <a:endParaRPr lang="en-US" altLang="zh-CN" dirty="0" smtClean="0"/>
-          </a:p>
-          <a:p>
-            <a:r>
-              <a:rPr lang="en-US" altLang="zh-CN" dirty="0" smtClean="0"/>
+            <a:endParaRPr lang="en-US" altLang="zh-CN" dirty="0" smtClean="0">
+              <a:solidFill>
+                <a:schemeClr val="bg1">
+                  <a:lumMod val="75000"/>
+                </a:schemeClr>
+              </a:solidFill>
+            </a:endParaRPr>
+          </a:p>
+          <a:p>
+            <a:r>
+              <a:rPr lang="en-US" altLang="zh-CN" dirty="0" smtClean="0">
+                <a:solidFill>
+                  <a:schemeClr val="bg1">
+                    <a:lumMod val="75000"/>
+                  </a:schemeClr>
+                </a:solidFill>
+              </a:rPr>
               <a:t>JS</a:t>
             </a:r>
             <a:r>
-              <a:rPr lang="zh-CN" altLang="en-US" dirty="0" smtClean="0"/>
+              <a:rPr lang="zh-CN" altLang="en-US" dirty="0" smtClean="0">
+                <a:solidFill>
+                  <a:schemeClr val="bg1">
+                    <a:lumMod val="75000"/>
+                  </a:schemeClr>
+                </a:solidFill>
+              </a:rPr>
               <a:t>与</a:t>
             </a:r>
             <a:r>
-              <a:rPr lang="en-US" altLang="zh-CN" dirty="0" smtClean="0"/>
+              <a:rPr lang="en-US" altLang="zh-CN" dirty="0" smtClean="0">
+                <a:solidFill>
+                  <a:schemeClr val="bg1">
+                    <a:lumMod val="75000"/>
+                  </a:schemeClr>
+                </a:solidFill>
+              </a:rPr>
               <a:t>IOS</a:t>
             </a:r>
             <a:r>
-              <a:rPr lang="zh-CN" altLang="en-US" dirty="0" smtClean="0"/>
+              <a:rPr lang="zh-CN" altLang="en-US" dirty="0" smtClean="0">
+                <a:solidFill>
+                  <a:schemeClr val="bg1">
+                    <a:lumMod val="75000"/>
+                  </a:schemeClr>
+                </a:solidFill>
+              </a:rPr>
               <a:t>通信</a:t>
             </a:r>
-            <a:endParaRPr lang="en-US" altLang="zh-CN" dirty="0" smtClean="0"/>
+            <a:endParaRPr lang="en-US" altLang="zh-CN" dirty="0" smtClean="0">
+              <a:solidFill>
+                <a:schemeClr val="bg1">
+                  <a:lumMod val="75000"/>
+                </a:schemeClr>
+              </a:solidFill>
+            </a:endParaRPr>
+          </a:p>
+          <a:p>
+            <a:pPr marL="0" indent="0">
+              <a:buNone/>
+            </a:pPr>
+            <a:r>
+              <a:rPr lang="en-US" altLang="zh-CN" dirty="0" smtClean="0">
+                <a:solidFill>
+                  <a:schemeClr val="bg1">
+                    <a:lumMod val="75000"/>
+                  </a:schemeClr>
+                </a:solidFill>
+              </a:rPr>
+              <a:t>…</a:t>
+            </a:r>
+            <a:endParaRPr lang="en-US" altLang="zh-CN" dirty="0" smtClean="0">
+              <a:solidFill>
+                <a:schemeClr val="bg1">
+                  <a:lumMod val="75000"/>
+                </a:schemeClr>
+              </a:solidFill>
+            </a:endParaRPr>
           </a:p>
         </p:txBody>
       </p:sp>
@@ -6249,7 +6339,23 @@
                   <a:srgbClr val="FFFFFF"/>
                 </a:solidFill>
               </a:rPr>
-              <a:t>支持在后台使用</a:t>
+              <a:t>支持在</a:t>
+            </a:r>
+            <a:r>
+              <a:rPr lang="zh-CN" altLang="en-US" dirty="0" smtClean="0">
+                <a:solidFill>
+                  <a:srgbClr val="FFFFFF"/>
+                </a:solidFill>
+              </a:rPr>
+              <a:t>服务端</a:t>
+            </a:r>
+            <a:r>
+              <a:rPr lang="zh-CN" altLang="en-US" dirty="0" smtClean="0">
+                <a:solidFill>
+                  <a:srgbClr val="FFFFFF"/>
+                </a:solidFill>
+              </a:rPr>
+              <a:t>使用</a:t>
             </a:r>
             <a:r>
               <a:rPr lang="en-US" altLang="zh-CN" dirty="0" err="1" smtClean="0">
@@ -6306,15 +6412,7 @@
                   <a:srgbClr val="FFFFFF"/>
                 </a:solidFill>
               </a:rPr>
-              <a:t>Virtual </a:t>
-            </a:r>
-            <a:r>
-              <a:rPr lang="en-US" altLang="zh-CN" dirty="0" smtClean="0">
-                <a:solidFill>
-                  <a:srgbClr val="FFFFFF"/>
-                </a:solidFill>
-              </a:rPr>
-              <a:t>Dom</a:t>
+              <a:t>Virtual Dom</a:t>
             </a:r>
             <a:r>
               <a:rPr lang="zh-CN" altLang="en-US" dirty="0" smtClean="0">
@@ -6405,20 +6503,8 @@
           <a:lstStyle/>
           <a:p>
             <a:r>
-              <a:rPr lang="en-US" altLang="en-US" dirty="0" err="1" smtClean="0">
-                <a:solidFill>
-                  <a:srgbClr val="FFFFFF"/>
-                </a:solidFill>
-              </a:rPr>
-              <a:t>JSX</a:t>
-            </a:r>
-            <a:r>
-              <a:rPr lang="en-US" altLang="en-US" dirty="0" err="1" smtClean="0">
-                <a:solidFill>
-                  <a:srgbClr val="FFFFFF"/>
-                </a:solidFill>
-              </a:rPr>
-              <a:t>模板</a:t>
+              <a:rPr lang="en-US" dirty="0" smtClean="0"/>
+              <a:t>Virtual Dom</a:t>
             </a:r>
             <a:endParaRPr lang="en-US" dirty="0"/>
           </a:p>
@@ -6426,32 +6512,27 @@
       </p:sp>
       <p:pic>
         <p:nvPicPr>
-          <p:cNvPr id="4" name="Picture 3"/>
+          <p:cNvPr id="4" name="Content Placeholder 3"/>
           <p:cNvPicPr>
-            <a:picLocks noChangeAspect="1"/>
+            <a:picLocks noGrp="1" noChangeAspect="1"/>
           </p:cNvPicPr>
-          <p:nvPr/>
+          <p:nvPr>
+            <p:ph idx="1"/>
+          </p:nvPr>
         </p:nvPicPr>
         <p:blipFill>
           <a:blip r:embed="rId2"/>
+          <a:srcRect t="8834" b="8834"/>
           <a:stretch>
             <a:fillRect/>
           </a:stretch>
         </p:blipFill>
-        <p:spPr>
-          <a:xfrm>
-            <a:off x="0" y="2262705"/>
-            <a:ext cx="9144000" cy="3072306"/>
-          </a:xfrm>
-          <a:prstGeom prst="rect">
-            <a:avLst/>
-          </a:prstGeom>
-        </p:spPr>
+        <p:spPr/>
       </p:pic>
     </p:spTree>
     <p:extLst>
       <p:ext uri="{BB962C8B-B14F-4D97-AF65-F5344CB8AC3E}">
-        <p14:creationId xmlns:p14="http://schemas.microsoft.com/office/powerpoint/2010/main" val="3818992611"/>
+        <p14:creationId xmlns:p14="http://schemas.microsoft.com/office/powerpoint/2010/main" val="3519277736"/>
       </p:ext>
     </p:extLst>
   </p:cSld>
@@ -6495,35 +6576,97 @@
           <a:p>
             <a:r>
               <a:rPr lang="en-US" dirty="0" smtClean="0"/>
-              <a:t>Virtual Dom</a:t>
-            </a:r>
-            <a:endParaRPr lang="en-US" dirty="0"/>
+              <a:t>Virtual </a:t>
+            </a:r>
+            <a:r>
+              <a:rPr lang="en-US" dirty="0"/>
+              <a:t>Dom</a:t>
+            </a:r>
+          </a:p>
+        </p:txBody>
+      </p:sp>
+      <p:sp>
+        <p:nvSpPr>
+          <p:cNvPr id="6" name="TextBox 5"/>
+          <p:cNvSpPr txBox="1"/>
+          <p:nvPr/>
+        </p:nvSpPr>
+        <p:spPr>
+          <a:xfrm>
+            <a:off x="756318" y="1913758"/>
+            <a:ext cx="2142120" cy="369332"/>
+          </a:xfrm>
+          <a:prstGeom prst="rect">
+            <a:avLst/>
+          </a:prstGeom>
+          <a:noFill/>
+        </p:spPr>
+        <p:txBody>
+          <a:bodyPr wrap="none" rtlCol="0">
+            <a:spAutoFit/>
+          </a:bodyPr>
+          <a:lstStyle/>
+          <a:p>
+            <a:r>
+              <a:rPr lang="en-US" dirty="0" smtClean="0">
+                <a:solidFill>
+                  <a:schemeClr val="bg1"/>
+                </a:solidFill>
+              </a:rPr>
+              <a:t>Dom</a:t>
+            </a:r>
+            <a:r>
+              <a:rPr lang="zh-CN" altLang="en-US" dirty="0" smtClean="0">
+                <a:solidFill>
+                  <a:schemeClr val="bg1"/>
+                </a:solidFill>
+              </a:rPr>
+              <a:t>局部</a:t>
+            </a:r>
+            <a:r>
+              <a:rPr lang="en-US" dirty="0" smtClean="0">
+                <a:solidFill>
+                  <a:schemeClr val="bg1"/>
+                </a:solidFill>
+              </a:rPr>
+              <a:t>刷新机制：</a:t>
+            </a:r>
+            <a:endParaRPr lang="en-US" dirty="0">
+              <a:solidFill>
+                <a:schemeClr val="bg1"/>
+              </a:solidFill>
+            </a:endParaRPr>
           </a:p>
         </p:txBody>
       </p:sp>
       <p:pic>
         <p:nvPicPr>
-          <p:cNvPr id="4" name="Content Placeholder 3"/>
+          <p:cNvPr id="7" name="Picture 6"/>
           <p:cNvPicPr>
-            <a:picLocks noGrp="1" noChangeAspect="1"/>
+            <a:picLocks noChangeAspect="1"/>
           </p:cNvPicPr>
-          <p:nvPr>
-            <p:ph idx="1"/>
-          </p:nvPr>
+          <p:nvPr/>
         </p:nvPicPr>
         <p:blipFill>
           <a:blip r:embed="rId2"/>
-          <a:srcRect t="8834" b="8834"/>
           <a:stretch>
             <a:fillRect/>
           </a:stretch>
         </p:blipFill>
-        <p:spPr/>
+        <p:spPr>
+          <a:xfrm>
+            <a:off x="361615" y="2491678"/>
+            <a:ext cx="8362950" cy="3127875"/>
+          </a:xfrm>
+          <a:prstGeom prst="rect">
+            <a:avLst/>
+          </a:prstGeom>
+        </p:spPr>
       </p:pic>
     </p:spTree>
     <p:extLst>
       <p:ext uri="{BB962C8B-B14F-4D97-AF65-F5344CB8AC3E}">
-        <p14:creationId xmlns:p14="http://schemas.microsoft.com/office/powerpoint/2010/main" val="3519277736"/>
+        <p14:creationId xmlns:p14="http://schemas.microsoft.com/office/powerpoint/2010/main" val="4234284624"/>
       </p:ext>
     </p:extLst>
   </p:cSld>
@@ -6567,25 +6710,22 @@
           <a:p>
             <a:r>
               <a:rPr lang="en-US" dirty="0" smtClean="0"/>
-              <a:t>Virtual </a:t>
-            </a:r>
-            <a:r>
-              <a:rPr lang="en-US" dirty="0"/>
-              <a:t>Dom</a:t>
-            </a:r>
-          </a:p>
-        </p:txBody>
-      </p:sp>
-      <p:sp>
-        <p:nvSpPr>
-          <p:cNvPr id="6" name="TextBox 5"/>
+              <a:t>Virtual Dom</a:t>
+            </a:r>
+            <a:endParaRPr lang="en-US" dirty="0"/>
+          </a:p>
+        </p:txBody>
+      </p:sp>
+      <p:sp>
+        <p:nvSpPr>
+          <p:cNvPr id="4" name="TextBox 3"/>
           <p:cNvSpPr txBox="1"/>
           <p:nvPr/>
         </p:nvSpPr>
         <p:spPr>
           <a:xfrm>
-            <a:off x="756318" y="1913758"/>
-            <a:ext cx="2142120" cy="369332"/>
+            <a:off x="779463" y="1658002"/>
+            <a:ext cx="4675529" cy="369332"/>
           </a:xfrm>
           <a:prstGeom prst="rect">
             <a:avLst/>
@@ -6599,40 +6739,32 @@
           <a:lstStyle/>
           <a:p>
             <a:r>
-              <a:rPr lang="en-US" dirty="0" smtClean="0">
-                <a:solidFill>
-                  <a:schemeClr val="bg1"/>
-                </a:solidFill>
-              </a:rPr>
-              <a:t>Dom</a:t>
-            </a:r>
-            <a:r>
-              <a:rPr lang="zh-CN" altLang="en-US" dirty="0" smtClean="0">
-                <a:solidFill>
-                  <a:schemeClr val="bg1"/>
-                </a:solidFill>
-              </a:rPr>
-              <a:t>局部</a:t>
-            </a:r>
-            <a:r>
-              <a:rPr lang="en-US" dirty="0" smtClean="0">
-                <a:solidFill>
-                  <a:schemeClr val="bg1"/>
-                </a:solidFill>
-              </a:rPr>
-              <a:t>刷新机制：</a:t>
-            </a:r>
-            <a:endParaRPr lang="en-US" dirty="0">
-              <a:solidFill>
-                <a:schemeClr val="bg1"/>
-              </a:solidFill>
-            </a:endParaRPr>
+              <a:rPr lang="en-US" dirty="0" err="1" smtClean="0"/>
+              <a:t>reactComponent</a:t>
+            </a:r>
+            <a:r>
+              <a:rPr lang="en-US" dirty="0" smtClean="0"/>
+              <a:t>, </a:t>
+            </a:r>
+            <a:r>
+              <a:rPr lang="en-US" dirty="0" err="1" smtClean="0"/>
+              <a:t>reactElement</a:t>
+            </a:r>
+            <a:r>
+              <a:rPr lang="en-US" dirty="0" smtClean="0"/>
+              <a:t>, </a:t>
+            </a:r>
+            <a:r>
+              <a:rPr lang="en-US" dirty="0" err="1" smtClean="0"/>
+              <a:t>reactNode</a:t>
+            </a:r>
+            <a:endParaRPr lang="en-US" dirty="0"/>
           </a:p>
         </p:txBody>
       </p:sp>
       <p:pic>
         <p:nvPicPr>
-          <p:cNvPr id="7" name="Picture 6"/>
+          <p:cNvPr id="3" name="Picture 2"/>
           <p:cNvPicPr>
             <a:picLocks noChangeAspect="1"/>
           </p:cNvPicPr>
@@ -6646,8 +6778,8 @@
         </p:blipFill>
         <p:spPr>
           <a:xfrm>
-            <a:off x="361615" y="2491678"/>
-            <a:ext cx="8362950" cy="3127875"/>
+            <a:off x="895998" y="2141983"/>
+            <a:ext cx="3700939" cy="4195666"/>
           </a:xfrm>
           <a:prstGeom prst="rect">
             <a:avLst/>
@@ -6657,7 +6789,7 @@
     </p:spTree>
     <p:extLst>
       <p:ext uri="{BB962C8B-B14F-4D97-AF65-F5344CB8AC3E}">
-        <p14:creationId xmlns:p14="http://schemas.microsoft.com/office/powerpoint/2010/main" val="4234284624"/>
+        <p14:creationId xmlns:p14="http://schemas.microsoft.com/office/powerpoint/2010/main" val="3431016421"/>
       </p:ext>
     </p:extLst>
   </p:cSld>
@@ -6700,63 +6832,45 @@
           <a:lstStyle/>
           <a:p>
             <a:r>
-              <a:rPr lang="en-US" dirty="0" smtClean="0"/>
-              <a:t>Virtual Dom</a:t>
+              <a:rPr lang="en-US" altLang="en-US" dirty="0" smtClean="0">
+                <a:solidFill>
+                  <a:srgbClr val="FFFFFF"/>
+                </a:solidFill>
+              </a:rPr>
+              <a:t>JSX 模板</a:t>
             </a:r>
             <a:endParaRPr lang="en-US" dirty="0"/>
           </a:p>
         </p:txBody>
       </p:sp>
-      <p:sp>
-        <p:nvSpPr>
-          <p:cNvPr id="4" name="TextBox 3"/>
-          <p:cNvSpPr txBox="1"/>
+      <p:pic>
+        <p:nvPicPr>
+          <p:cNvPr id="4" name="Picture 3"/>
+          <p:cNvPicPr>
+            <a:picLocks noChangeAspect="1"/>
+          </p:cNvPicPr>
           <p:nvPr/>
-        </p:nvSpPr>
-        <p:spPr>
-          <a:xfrm>
-            <a:off x="779463" y="1658002"/>
-            <a:ext cx="4675529" cy="369332"/>
+        </p:nvPicPr>
+        <p:blipFill>
+          <a:blip r:embed="rId2"/>
+          <a:stretch>
+            <a:fillRect/>
+          </a:stretch>
+        </p:blipFill>
+        <p:spPr>
+          <a:xfrm>
+            <a:off x="0" y="2262705"/>
+            <a:ext cx="9144000" cy="3072306"/>
           </a:xfrm>
           <a:prstGeom prst="rect">
             <a:avLst/>
           </a:prstGeom>
-          <a:noFill/>
-        </p:spPr>
-        <p:txBody>
-          <a:bodyPr wrap="none" rtlCol="0">
-            <a:spAutoFit/>
-          </a:bodyPr>
-          <a:lstStyle/>
-          <a:p>
-            <a:r>
-              <a:rPr lang="en-US" dirty="0" err="1" smtClean="0"/>
-              <a:t>reactComponent</a:t>
-            </a:r>
-            <a:r>
-              <a:rPr lang="en-US" dirty="0" smtClean="0"/>
-              <a:t>, </a:t>
-            </a:r>
-            <a:r>
-              <a:rPr lang="en-US" dirty="0" err="1" smtClean="0"/>
-              <a:t>reactElement</a:t>
-            </a:r>
-            <a:r>
-              <a:rPr lang="en-US" dirty="0" smtClean="0"/>
-              <a:t>, </a:t>
-            </a:r>
-            <a:r>
-              <a:rPr lang="en-US" dirty="0" err="1" smtClean="0"/>
-              <a:t>reactNode</a:t>
-            </a:r>
-            <a:endParaRPr lang="en-US" dirty="0"/>
-          </a:p>
-        </p:txBody>
-      </p:sp>
+        </p:spPr>
+      </p:pic>
     </p:spTree>
     <p:extLst>
       <p:ext uri="{BB962C8B-B14F-4D97-AF65-F5344CB8AC3E}">
-        <p14:creationId xmlns:p14="http://schemas.microsoft.com/office/powerpoint/2010/main" val="3431016421"/>
+        <p14:creationId xmlns:p14="http://schemas.microsoft.com/office/powerpoint/2010/main" val="3818992611"/>
       </p:ext>
     </p:extLst>
   </p:cSld>

--- a/ppt/ReactNative初探.pptx
+++ b/ppt/ReactNative初探.pptx
@@ -13,7 +13,8 @@
     <p:sldId id="262" r:id="rId7"/>
     <p:sldId id="263" r:id="rId8"/>
     <p:sldId id="264" r:id="rId9"/>
-    <p:sldId id="259" r:id="rId10"/>
+    <p:sldId id="265" r:id="rId10"/>
+    <p:sldId id="259" r:id="rId11"/>
   </p:sldIdLst>
   <p:sldSz cx="9144000" cy="6858000" type="screen4x3"/>
   <p:notesSz cx="6858000" cy="9144000"/>
@@ -5483,6 +5484,87 @@
 </p:sld>
 </file>
 
+<file path=ppt/slides/slide10.xml><?xml version="1.0" encoding="utf-8"?>
+<p:sld xmlns:a="http://schemas.openxmlformats.org/drawingml/2006/main" xmlns:r="http://schemas.openxmlformats.org/officeDocument/2006/relationships" xmlns:p="http://schemas.openxmlformats.org/presentationml/2006/main">
+  <p:cSld>
+    <p:spTree>
+      <p:nvGrpSpPr>
+        <p:cNvPr id="1" name=""/>
+        <p:cNvGrpSpPr/>
+        <p:nvPr/>
+      </p:nvGrpSpPr>
+      <p:grpSpPr>
+        <a:xfrm>
+          <a:off x="0" y="0"/>
+          <a:ext cx="0" cy="0"/>
+          <a:chOff x="0" y="0"/>
+          <a:chExt cx="0" cy="0"/>
+        </a:xfrm>
+      </p:grpSpPr>
+      <p:sp>
+        <p:nvSpPr>
+          <p:cNvPr id="2" name="Title 1"/>
+          <p:cNvSpPr>
+            <a:spLocks noGrp="1"/>
+          </p:cNvSpPr>
+          <p:nvPr>
+            <p:ph type="title"/>
+          </p:nvPr>
+        </p:nvSpPr>
+        <p:spPr/>
+        <p:txBody>
+          <a:bodyPr/>
+          <a:lstStyle/>
+          <a:p>
+            <a:r>
+              <a:rPr lang="en-US" altLang="en-US" dirty="0" smtClean="0">
+                <a:solidFill>
+                  <a:srgbClr val="FFFFFF"/>
+                </a:solidFill>
+              </a:rPr>
+              <a:t>JSX 模板</a:t>
+            </a:r>
+            <a:endParaRPr lang="en-US" dirty="0"/>
+          </a:p>
+        </p:txBody>
+      </p:sp>
+      <p:pic>
+        <p:nvPicPr>
+          <p:cNvPr id="4" name="Picture 3"/>
+          <p:cNvPicPr>
+            <a:picLocks noChangeAspect="1"/>
+          </p:cNvPicPr>
+          <p:nvPr/>
+        </p:nvPicPr>
+        <p:blipFill>
+          <a:blip r:embed="rId2"/>
+          <a:stretch>
+            <a:fillRect/>
+          </a:stretch>
+        </p:blipFill>
+        <p:spPr>
+          <a:xfrm>
+            <a:off x="0" y="2262705"/>
+            <a:ext cx="9144000" cy="3072306"/>
+          </a:xfrm>
+          <a:prstGeom prst="rect">
+            <a:avLst/>
+          </a:prstGeom>
+        </p:spPr>
+      </p:pic>
+    </p:spTree>
+    <p:extLst>
+      <p:ext uri="{BB962C8B-B14F-4D97-AF65-F5344CB8AC3E}">
+        <p14:creationId xmlns:p14="http://schemas.microsoft.com/office/powerpoint/2010/main" val="3818992611"/>
+      </p:ext>
+    </p:extLst>
+  </p:cSld>
+  <p:clrMapOvr>
+    <a:masterClrMapping/>
+  </p:clrMapOvr>
+</p:sld>
+</file>
+
 <file path=ppt/slides/slide2.xml><?xml version="1.0" encoding="utf-8"?>
 <p:sld xmlns:a="http://schemas.openxmlformats.org/drawingml/2006/main" xmlns:r="http://schemas.openxmlformats.org/officeDocument/2006/relationships" xmlns:p="http://schemas.openxmlformats.org/presentationml/2006/main">
   <p:cSld>
@@ -6716,55 +6798,9 @@
           </a:p>
         </p:txBody>
       </p:sp>
-      <p:sp>
-        <p:nvSpPr>
-          <p:cNvPr id="4" name="TextBox 3"/>
-          <p:cNvSpPr txBox="1"/>
-          <p:nvPr/>
-        </p:nvSpPr>
-        <p:spPr>
-          <a:xfrm>
-            <a:off x="779463" y="1658002"/>
-            <a:ext cx="4675529" cy="369332"/>
-          </a:xfrm>
-          <a:prstGeom prst="rect">
-            <a:avLst/>
-          </a:prstGeom>
-          <a:noFill/>
-        </p:spPr>
-        <p:txBody>
-          <a:bodyPr wrap="none" rtlCol="0">
-            <a:spAutoFit/>
-          </a:bodyPr>
-          <a:lstStyle/>
-          <a:p>
-            <a:r>
-              <a:rPr lang="en-US" dirty="0" err="1" smtClean="0"/>
-              <a:t>reactComponent</a:t>
-            </a:r>
-            <a:r>
-              <a:rPr lang="en-US" dirty="0" smtClean="0"/>
-              <a:t>, </a:t>
-            </a:r>
-            <a:r>
-              <a:rPr lang="en-US" dirty="0" err="1" smtClean="0"/>
-              <a:t>reactElement</a:t>
-            </a:r>
-            <a:r>
-              <a:rPr lang="en-US" dirty="0" smtClean="0"/>
-              <a:t>, </a:t>
-            </a:r>
-            <a:r>
-              <a:rPr lang="en-US" dirty="0" err="1" smtClean="0"/>
-              <a:t>reactNode</a:t>
-            </a:r>
-            <a:endParaRPr lang="en-US" dirty="0"/>
-          </a:p>
-        </p:txBody>
-      </p:sp>
       <p:pic>
         <p:nvPicPr>
-          <p:cNvPr id="3" name="Picture 2"/>
+          <p:cNvPr id="5" name="Picture 4"/>
           <p:cNvPicPr>
             <a:picLocks noChangeAspect="1"/>
           </p:cNvPicPr>
@@ -6778,8 +6814,32 @@
         </p:blipFill>
         <p:spPr>
           <a:xfrm>
-            <a:off x="895998" y="2141983"/>
-            <a:ext cx="3700939" cy="4195666"/>
+            <a:off x="351965" y="1722355"/>
+            <a:ext cx="8467075" cy="1701767"/>
+          </a:xfrm>
+          <a:prstGeom prst="rect">
+            <a:avLst/>
+          </a:prstGeom>
+        </p:spPr>
+      </p:pic>
+      <p:pic>
+        <p:nvPicPr>
+          <p:cNvPr id="6" name="Picture 5"/>
+          <p:cNvPicPr>
+            <a:picLocks noChangeAspect="1"/>
+          </p:cNvPicPr>
+          <p:nvPr/>
+        </p:nvPicPr>
+        <p:blipFill>
+          <a:blip r:embed="rId3"/>
+          <a:stretch>
+            <a:fillRect/>
+          </a:stretch>
+        </p:blipFill>
+        <p:spPr>
+          <a:xfrm>
+            <a:off x="4216988" y="251832"/>
+            <a:ext cx="4145962" cy="6344579"/>
           </a:xfrm>
           <a:prstGeom prst="rect">
             <a:avLst/>
@@ -6796,6 +6856,218 @@
   <p:clrMapOvr>
     <a:masterClrMapping/>
   </p:clrMapOvr>
+  <p:timing>
+    <p:tnLst>
+      <p:par>
+        <p:cTn xmlns:p14="http://schemas.microsoft.com/office/powerpoint/2010/main" id="1" dur="indefinite" restart="never" nodeType="tmRoot">
+          <p:childTnLst>
+            <p:seq concurrent="1" nextAc="seek">
+              <p:cTn id="2" dur="indefinite" nodeType="mainSeq">
+                <p:childTnLst>
+                  <p:par>
+                    <p:cTn id="3" fill="hold">
+                      <p:stCondLst>
+                        <p:cond delay="indefinite"/>
+                      </p:stCondLst>
+                      <p:childTnLst>
+                        <p:par>
+                          <p:cTn id="4" fill="hold">
+                            <p:stCondLst>
+                              <p:cond delay="0"/>
+                            </p:stCondLst>
+                            <p:childTnLst>
+                              <p:par>
+                                <p:cTn id="5" presetID="2" presetClass="exit" presetSubtype="4" fill="hold" nodeType="clickEffect">
+                                  <p:stCondLst>
+                                    <p:cond delay="0"/>
+                                  </p:stCondLst>
+                                  <p:childTnLst>
+                                    <p:anim calcmode="lin" valueType="num">
+                                      <p:cBhvr additive="base">
+                                        <p:cTn id="6" dur="500"/>
+                                        <p:tgtEl>
+                                          <p:spTgt spid="5"/>
+                                        </p:tgtEl>
+                                        <p:attrNameLst>
+                                          <p:attrName>ppt_x</p:attrName>
+                                        </p:attrNameLst>
+                                      </p:cBhvr>
+                                      <p:tavLst>
+                                        <p:tav tm="0">
+                                          <p:val>
+                                            <p:strVal val="ppt_x"/>
+                                          </p:val>
+                                        </p:tav>
+                                        <p:tav tm="100000">
+                                          <p:val>
+                                            <p:strVal val="ppt_x"/>
+                                          </p:val>
+                                        </p:tav>
+                                      </p:tavLst>
+                                    </p:anim>
+                                    <p:anim calcmode="lin" valueType="num">
+                                      <p:cBhvr additive="base">
+                                        <p:cTn id="7" dur="500"/>
+                                        <p:tgtEl>
+                                          <p:spTgt spid="5"/>
+                                        </p:tgtEl>
+                                        <p:attrNameLst>
+                                          <p:attrName>ppt_y</p:attrName>
+                                        </p:attrNameLst>
+                                      </p:cBhvr>
+                                      <p:tavLst>
+                                        <p:tav tm="0">
+                                          <p:val>
+                                            <p:strVal val="ppt_y"/>
+                                          </p:val>
+                                        </p:tav>
+                                        <p:tav tm="100000">
+                                          <p:val>
+                                            <p:strVal val="1+ppt_h/2"/>
+                                          </p:val>
+                                        </p:tav>
+                                      </p:tavLst>
+                                    </p:anim>
+                                    <p:set>
+                                      <p:cBhvr>
+                                        <p:cTn id="8" dur="1" fill="hold">
+                                          <p:stCondLst>
+                                            <p:cond delay="499"/>
+                                          </p:stCondLst>
+                                        </p:cTn>
+                                        <p:tgtEl>
+                                          <p:spTgt spid="5"/>
+                                        </p:tgtEl>
+                                        <p:attrNameLst>
+                                          <p:attrName>style.visibility</p:attrName>
+                                        </p:attrNameLst>
+                                      </p:cBhvr>
+                                      <p:to>
+                                        <p:strVal val="hidden"/>
+                                      </p:to>
+                                    </p:set>
+                                  </p:childTnLst>
+                                </p:cTn>
+                              </p:par>
+                            </p:childTnLst>
+                          </p:cTn>
+                        </p:par>
+                      </p:childTnLst>
+                    </p:cTn>
+                  </p:par>
+                  <p:par>
+                    <p:cTn id="9" fill="hold">
+                      <p:stCondLst>
+                        <p:cond delay="indefinite"/>
+                      </p:stCondLst>
+                      <p:childTnLst>
+                        <p:par>
+                          <p:cTn id="10" fill="hold">
+                            <p:stCondLst>
+                              <p:cond delay="0"/>
+                            </p:stCondLst>
+                            <p:childTnLst>
+                              <p:par>
+                                <p:cTn id="11" presetID="2" presetClass="entr" presetSubtype="4" fill="hold" nodeType="clickEffect">
+                                  <p:stCondLst>
+                                    <p:cond delay="0"/>
+                                  </p:stCondLst>
+                                  <p:childTnLst>
+                                    <p:set>
+                                      <p:cBhvr>
+                                        <p:cTn id="12" dur="1" fill="hold">
+                                          <p:stCondLst>
+                                            <p:cond delay="0"/>
+                                          </p:stCondLst>
+                                        </p:cTn>
+                                        <p:tgtEl>
+                                          <p:spTgt spid="6"/>
+                                        </p:tgtEl>
+                                        <p:attrNameLst>
+                                          <p:attrName>style.visibility</p:attrName>
+                                        </p:attrNameLst>
+                                      </p:cBhvr>
+                                      <p:to>
+                                        <p:strVal val="visible"/>
+                                      </p:to>
+                                    </p:set>
+                                    <p:anim calcmode="lin" valueType="num">
+                                      <p:cBhvr additive="base">
+                                        <p:cTn id="13" dur="500" fill="hold"/>
+                                        <p:tgtEl>
+                                          <p:spTgt spid="6"/>
+                                        </p:tgtEl>
+                                        <p:attrNameLst>
+                                          <p:attrName>ppt_x</p:attrName>
+                                        </p:attrNameLst>
+                                      </p:cBhvr>
+                                      <p:tavLst>
+                                        <p:tav tm="0">
+                                          <p:val>
+                                            <p:strVal val="#ppt_x"/>
+                                          </p:val>
+                                        </p:tav>
+                                        <p:tav tm="100000">
+                                          <p:val>
+                                            <p:strVal val="#ppt_x"/>
+                                          </p:val>
+                                        </p:tav>
+                                      </p:tavLst>
+                                    </p:anim>
+                                    <p:anim calcmode="lin" valueType="num">
+                                      <p:cBhvr additive="base">
+                                        <p:cTn id="14" dur="500" fill="hold"/>
+                                        <p:tgtEl>
+                                          <p:spTgt spid="6"/>
+                                        </p:tgtEl>
+                                        <p:attrNameLst>
+                                          <p:attrName>ppt_y</p:attrName>
+                                        </p:attrNameLst>
+                                      </p:cBhvr>
+                                      <p:tavLst>
+                                        <p:tav tm="0">
+                                          <p:val>
+                                            <p:strVal val="1+#ppt_h/2"/>
+                                          </p:val>
+                                        </p:tav>
+                                        <p:tav tm="100000">
+                                          <p:val>
+                                            <p:strVal val="#ppt_y"/>
+                                          </p:val>
+                                        </p:tav>
+                                      </p:tavLst>
+                                    </p:anim>
+                                  </p:childTnLst>
+                                </p:cTn>
+                              </p:par>
+                            </p:childTnLst>
+                          </p:cTn>
+                        </p:par>
+                      </p:childTnLst>
+                    </p:cTn>
+                  </p:par>
+                </p:childTnLst>
+              </p:cTn>
+              <p:prevCondLst>
+                <p:cond evt="onPrev" delay="0">
+                  <p:tgtEl>
+                    <p:sldTgt/>
+                  </p:tgtEl>
+                </p:cond>
+              </p:prevCondLst>
+              <p:nextCondLst>
+                <p:cond evt="onNext" delay="0">
+                  <p:tgtEl>
+                    <p:sldTgt/>
+                  </p:tgtEl>
+                </p:cond>
+              </p:nextCondLst>
+            </p:seq>
+          </p:childTnLst>
+        </p:cTn>
+      </p:par>
+    </p:tnLst>
+  </p:timing>
 </p:sld>
 </file>
 
@@ -6831,21 +7103,13 @@
           <a:bodyPr/>
           <a:lstStyle/>
           <a:p>
-            <a:r>
-              <a:rPr lang="en-US" altLang="en-US" dirty="0" smtClean="0">
-                <a:solidFill>
-                  <a:srgbClr val="FFFFFF"/>
-                </a:solidFill>
-              </a:rPr>
-              <a:t>JSX 模板</a:t>
-            </a:r>
-            <a:endParaRPr lang="en-US" dirty="0"/>
+            <a:endParaRPr lang="en-US"/>
           </a:p>
         </p:txBody>
       </p:sp>
       <p:pic>
         <p:nvPicPr>
-          <p:cNvPr id="4" name="Picture 3"/>
+          <p:cNvPr id="7" name="Picture 6"/>
           <p:cNvPicPr>
             <a:picLocks noChangeAspect="1"/>
           </p:cNvPicPr>
@@ -6859,8 +7123,8 @@
         </p:blipFill>
         <p:spPr>
           <a:xfrm>
-            <a:off x="0" y="2262705"/>
-            <a:ext cx="9144000" cy="3072306"/>
+            <a:off x="270201" y="2315840"/>
+            <a:ext cx="8610356" cy="2943233"/>
           </a:xfrm>
           <a:prstGeom prst="rect">
             <a:avLst/>
@@ -6870,7 +7134,7 @@
     </p:spTree>
     <p:extLst>
       <p:ext uri="{BB962C8B-B14F-4D97-AF65-F5344CB8AC3E}">
-        <p14:creationId xmlns:p14="http://schemas.microsoft.com/office/powerpoint/2010/main" val="3818992611"/>
+        <p14:creationId xmlns:p14="http://schemas.microsoft.com/office/powerpoint/2010/main" val="1552571084"/>
       </p:ext>
     </p:extLst>
   </p:cSld>

--- a/ppt/ReactNative初探.pptx
+++ b/ppt/ReactNative初探.pptx
@@ -13,8 +13,9 @@
     <p:sldId id="262" r:id="rId7"/>
     <p:sldId id="263" r:id="rId8"/>
     <p:sldId id="264" r:id="rId9"/>
-    <p:sldId id="265" r:id="rId10"/>
-    <p:sldId id="259" r:id="rId11"/>
+    <p:sldId id="266" r:id="rId10"/>
+    <p:sldId id="265" r:id="rId11"/>
+    <p:sldId id="259" r:id="rId12"/>
   </p:sldIdLst>
   <p:sldSz cx="9144000" cy="6858000" type="screen4x3"/>
   <p:notesSz cx="6858000" cy="9144000"/>
@@ -351,7 +352,7 @@
           <a:p>
             <a:fld id="{D140825E-4A15-4D39-8176-1F07E904CB30}" type="datetimeFigureOut">
               <a:rPr lang="en-US" smtClean="0"/>
-              <a:t>15/5/18</a:t>
+              <a:t>15/5/19</a:t>
             </a:fld>
             <a:endParaRPr lang="en-US"/>
           </a:p>
@@ -442,7 +443,7 @@
           <a:p>
             <a:fld id="{D140825E-4A15-4D39-8176-1F07E904CB30}" type="datetimeFigureOut">
               <a:rPr lang="en-US" smtClean="0"/>
-              <a:t>15/5/18</a:t>
+              <a:t>15/5/19</a:t>
             </a:fld>
             <a:endParaRPr lang="en-US"/>
           </a:p>
@@ -745,7 +746,7 @@
           <a:p>
             <a:fld id="{D140825E-4A15-4D39-8176-1F07E904CB30}" type="datetimeFigureOut">
               <a:rPr lang="en-US" smtClean="0"/>
-              <a:t>15/5/18</a:t>
+              <a:t>15/5/19</a:t>
             </a:fld>
             <a:endParaRPr lang="en-US"/>
           </a:p>
@@ -966,7 +967,7 @@
           <a:p>
             <a:fld id="{D140825E-4A15-4D39-8176-1F07E904CB30}" type="datetimeFigureOut">
               <a:rPr lang="en-US" smtClean="0"/>
-              <a:t>15/5/18</a:t>
+              <a:t>15/5/19</a:t>
             </a:fld>
             <a:endParaRPr lang="en-US"/>
           </a:p>
@@ -1354,7 +1355,7 @@
           <a:p>
             <a:fld id="{D140825E-4A15-4D39-8176-1F07E904CB30}" type="datetimeFigureOut">
               <a:rPr lang="en-US" smtClean="0"/>
-              <a:t>15/5/18</a:t>
+              <a:t>15/5/19</a:t>
             </a:fld>
             <a:endParaRPr lang="en-US"/>
           </a:p>
@@ -1662,7 +1663,7 @@
           <a:p>
             <a:fld id="{D140825E-4A15-4D39-8176-1F07E904CB30}" type="datetimeFigureOut">
               <a:rPr lang="en-US" smtClean="0"/>
-              <a:t>15/5/18</a:t>
+              <a:t>15/5/19</a:t>
             </a:fld>
             <a:endParaRPr lang="en-US"/>
           </a:p>
@@ -1860,7 +1861,7 @@
           <a:p>
             <a:fld id="{D140825E-4A15-4D39-8176-1F07E904CB30}" type="datetimeFigureOut">
               <a:rPr lang="en-US" smtClean="0"/>
-              <a:t>15/5/18</a:t>
+              <a:t>15/5/19</a:t>
             </a:fld>
             <a:endParaRPr lang="en-US"/>
           </a:p>
@@ -2063,7 +2064,7 @@
           <a:p>
             <a:fld id="{D140825E-4A15-4D39-8176-1F07E904CB30}" type="datetimeFigureOut">
               <a:rPr lang="en-US" smtClean="0"/>
-              <a:t>15/5/18</a:t>
+              <a:t>15/5/19</a:t>
             </a:fld>
             <a:endParaRPr lang="en-US"/>
           </a:p>
@@ -2256,7 +2257,7 @@
           <a:p>
             <a:fld id="{D140825E-4A15-4D39-8176-1F07E904CB30}" type="datetimeFigureOut">
               <a:rPr lang="en-US" smtClean="0"/>
-              <a:t>15/5/18</a:t>
+              <a:t>15/5/19</a:t>
             </a:fld>
             <a:endParaRPr lang="en-US"/>
           </a:p>
@@ -2528,7 +2529,7 @@
           <a:p>
             <a:fld id="{D140825E-4A15-4D39-8176-1F07E904CB30}" type="datetimeFigureOut">
               <a:rPr lang="en-US" smtClean="0"/>
-              <a:t>15/5/18</a:t>
+              <a:t>15/5/19</a:t>
             </a:fld>
             <a:endParaRPr lang="en-US"/>
           </a:p>
@@ -2839,7 +2840,7 @@
           <a:p>
             <a:fld id="{D140825E-4A15-4D39-8176-1F07E904CB30}" type="datetimeFigureOut">
               <a:rPr lang="en-US" smtClean="0"/>
-              <a:t>15/5/18</a:t>
+              <a:t>15/5/19</a:t>
             </a:fld>
             <a:endParaRPr lang="en-US"/>
           </a:p>
@@ -3305,7 +3306,7 @@
           <a:p>
             <a:fld id="{D140825E-4A15-4D39-8176-1F07E904CB30}" type="datetimeFigureOut">
               <a:rPr lang="en-US" smtClean="0"/>
-              <a:t>15/5/18</a:t>
+              <a:t>15/5/19</a:t>
             </a:fld>
             <a:endParaRPr lang="en-US"/>
           </a:p>
@@ -3669,7 +3670,7 @@
           <a:p>
             <a:fld id="{D140825E-4A15-4D39-8176-1F07E904CB30}" type="datetimeFigureOut">
               <a:rPr lang="en-US" smtClean="0"/>
-              <a:t>15/5/18</a:t>
+              <a:t>15/5/19</a:t>
             </a:fld>
             <a:endParaRPr lang="en-US"/>
           </a:p>
@@ -3980,7 +3981,7 @@
           <a:p>
             <a:fld id="{D140825E-4A15-4D39-8176-1F07E904CB30}" type="datetimeFigureOut">
               <a:rPr lang="en-US" smtClean="0"/>
-              <a:t>15/5/18</a:t>
+              <a:t>15/5/19</a:t>
             </a:fld>
             <a:endParaRPr lang="en-US"/>
           </a:p>
@@ -4291,7 +4292,7 @@
           <a:p>
             <a:fld id="{D140825E-4A15-4D39-8176-1F07E904CB30}" type="datetimeFigureOut">
               <a:rPr lang="en-US" smtClean="0"/>
-              <a:t>15/5/18</a:t>
+              <a:t>15/5/19</a:t>
             </a:fld>
             <a:endParaRPr lang="en-US"/>
           </a:p>
@@ -4776,7 +4777,7 @@
           <a:p>
             <a:fld id="{D140825E-4A15-4D39-8176-1F07E904CB30}" type="datetimeFigureOut">
               <a:rPr lang="en-US" smtClean="0"/>
-              <a:t>15/5/18</a:t>
+              <a:t>15/5/19</a:t>
             </a:fld>
             <a:endParaRPr lang="en-US"/>
           </a:p>
@@ -5039,7 +5040,7 @@
           <a:p>
             <a:fld id="{D140825E-4A15-4D39-8176-1F07E904CB30}" type="datetimeFigureOut">
               <a:rPr lang="en-US" smtClean="0"/>
-              <a:t>15/5/18</a:t>
+              <a:t>15/5/19</a:t>
             </a:fld>
             <a:endParaRPr lang="en-US"/>
           </a:p>
@@ -5426,12 +5427,16 @@
           <a:lstStyle/>
           <a:p>
             <a:r>
-              <a:rPr lang="en-US" dirty="0"/>
+              <a:rPr lang="en-US"/>
               <a:t>React </a:t>
             </a:r>
             <a:r>
+              <a:rPr lang="en-US" smtClean="0"/>
+              <a:t>Native 初</a:t>
+            </a:r>
+            <a:r>
               <a:rPr lang="en-US" dirty="0" err="1" smtClean="0"/>
-              <a:t>Native初探</a:t>
+              <a:t>探</a:t>
             </a:r>
             <a:endParaRPr lang="en-US" dirty="0"/>
           </a:p>
@@ -5517,12 +5522,8 @@
           <a:lstStyle/>
           <a:p>
             <a:r>
-              <a:rPr lang="en-US" altLang="en-US" dirty="0" smtClean="0">
-                <a:solidFill>
-                  <a:srgbClr val="FFFFFF"/>
-                </a:solidFill>
-              </a:rPr>
-              <a:t>JSX 模板</a:t>
+              <a:rPr lang="en-US" dirty="0"/>
+              <a:t>Virtual Dom</a:t>
             </a:r>
             <a:endParaRPr lang="en-US" dirty="0"/>
           </a:p>
@@ -5530,7 +5531,7 @@
       </p:sp>
       <p:pic>
         <p:nvPicPr>
-          <p:cNvPr id="4" name="Picture 3"/>
+          <p:cNvPr id="7" name="Picture 6"/>
           <p:cNvPicPr>
             <a:picLocks noChangeAspect="1"/>
           </p:cNvPicPr>
@@ -5544,7 +5545,126 @@
         </p:blipFill>
         <p:spPr>
           <a:xfrm>
-            <a:off x="0" y="2262705"/>
+            <a:off x="270201" y="2703883"/>
+            <a:ext cx="8610356" cy="2943233"/>
+          </a:xfrm>
+          <a:prstGeom prst="rect">
+            <a:avLst/>
+          </a:prstGeom>
+        </p:spPr>
+      </p:pic>
+      <p:sp>
+        <p:nvSpPr>
+          <p:cNvPr id="4" name="TextBox 3"/>
+          <p:cNvSpPr txBox="1"/>
+          <p:nvPr/>
+        </p:nvSpPr>
+        <p:spPr>
+          <a:xfrm>
+            <a:off x="599751" y="1950108"/>
+            <a:ext cx="1569660" cy="369332"/>
+          </a:xfrm>
+          <a:prstGeom prst="rect">
+            <a:avLst/>
+          </a:prstGeom>
+          <a:noFill/>
+        </p:spPr>
+        <p:txBody>
+          <a:bodyPr wrap="none" rtlCol="0">
+            <a:spAutoFit/>
+          </a:bodyPr>
+          <a:lstStyle/>
+          <a:p>
+            <a:r>
+              <a:rPr lang="en-US" dirty="0" smtClean="0">
+                <a:solidFill>
+                  <a:schemeClr val="bg1"/>
+                </a:solidFill>
+              </a:rPr>
+              <a:t>组件生命同期</a:t>
+            </a:r>
+            <a:endParaRPr lang="en-US" dirty="0">
+              <a:solidFill>
+                <a:schemeClr val="bg1"/>
+              </a:solidFill>
+            </a:endParaRPr>
+          </a:p>
+        </p:txBody>
+      </p:sp>
+    </p:spTree>
+    <p:extLst>
+      <p:ext uri="{BB962C8B-B14F-4D97-AF65-F5344CB8AC3E}">
+        <p14:creationId xmlns:p14="http://schemas.microsoft.com/office/powerpoint/2010/main" val="1552571084"/>
+      </p:ext>
+    </p:extLst>
+  </p:cSld>
+  <p:clrMapOvr>
+    <a:masterClrMapping/>
+  </p:clrMapOvr>
+</p:sld>
+</file>
+
+<file path=ppt/slides/slide11.xml><?xml version="1.0" encoding="utf-8"?>
+<p:sld xmlns:a="http://schemas.openxmlformats.org/drawingml/2006/main" xmlns:r="http://schemas.openxmlformats.org/officeDocument/2006/relationships" xmlns:p="http://schemas.openxmlformats.org/presentationml/2006/main">
+  <p:cSld>
+    <p:spTree>
+      <p:nvGrpSpPr>
+        <p:cNvPr id="1" name=""/>
+        <p:cNvGrpSpPr/>
+        <p:nvPr/>
+      </p:nvGrpSpPr>
+      <p:grpSpPr>
+        <a:xfrm>
+          <a:off x="0" y="0"/>
+          <a:ext cx="0" cy="0"/>
+          <a:chOff x="0" y="0"/>
+          <a:chExt cx="0" cy="0"/>
+        </a:xfrm>
+      </p:grpSpPr>
+      <p:sp>
+        <p:nvSpPr>
+          <p:cNvPr id="2" name="Title 1"/>
+          <p:cNvSpPr>
+            <a:spLocks noGrp="1"/>
+          </p:cNvSpPr>
+          <p:nvPr>
+            <p:ph type="title"/>
+          </p:nvPr>
+        </p:nvSpPr>
+        <p:spPr/>
+        <p:txBody>
+          <a:bodyPr/>
+          <a:lstStyle/>
+          <a:p>
+            <a:r>
+              <a:rPr lang="en-US" altLang="en-US" dirty="0" smtClean="0">
+                <a:solidFill>
+                  <a:srgbClr val="FFFFFF"/>
+                </a:solidFill>
+              </a:rPr>
+              <a:t>JSX 模板</a:t>
+            </a:r>
+            <a:endParaRPr lang="en-US" dirty="0"/>
+          </a:p>
+        </p:txBody>
+      </p:sp>
+      <p:pic>
+        <p:nvPicPr>
+          <p:cNvPr id="3" name="Picture 2"/>
+          <p:cNvPicPr>
+            <a:picLocks noChangeAspect="1"/>
+          </p:cNvPicPr>
+          <p:nvPr/>
+        </p:nvPicPr>
+        <p:blipFill>
+          <a:blip r:embed="rId2"/>
+          <a:stretch>
+            <a:fillRect/>
+          </a:stretch>
+        </p:blipFill>
+        <p:spPr>
+          <a:xfrm>
+            <a:off x="0" y="2394992"/>
             <a:ext cx="9144000" cy="3072306"/>
           </a:xfrm>
           <a:prstGeom prst="rect">
@@ -5659,17 +5779,6 @@
           </a:p>
           <a:p>
             <a:r>
-              <a:rPr lang="zh-CN" altLang="en-US" dirty="0" smtClean="0"/>
-              <a:t>合成</a:t>
-            </a:r>
-            <a:r>
-              <a:rPr lang="zh-CN" altLang="en-US" dirty="0" smtClean="0"/>
-              <a:t>事件</a:t>
-            </a:r>
-            <a:endParaRPr lang="en-US" altLang="zh-CN" dirty="0" smtClean="0"/>
-          </a:p>
-          <a:p>
-            <a:r>
               <a:rPr lang="en-US" dirty="0" smtClean="0"/>
               <a:t>DEMO</a:t>
             </a:r>
@@ -6017,11 +6126,7 @@
           <a:p>
             <a:r>
               <a:rPr lang="zh-CN" altLang="en-US" dirty="0" smtClean="0"/>
-              <a:t>合成</a:t>
-            </a:r>
-            <a:r>
-              <a:rPr lang="zh-CN" altLang="en-US" dirty="0" smtClean="0"/>
-              <a:t>事件</a:t>
+              <a:t>合成事件</a:t>
             </a:r>
             <a:endParaRPr lang="en-US" altLang="zh-CN" dirty="0" smtClean="0"/>
           </a:p>
@@ -6117,13 +6222,6 @@
               </a:rPr>
               <a:t>…</a:t>
             </a:r>
-            <a:endParaRPr lang="en-US" altLang="zh-CN" dirty="0" smtClean="0">
-              <a:solidFill>
-                <a:schemeClr val="bg1">
-                  <a:lumMod val="75000"/>
-                </a:schemeClr>
-              </a:solidFill>
-            </a:endParaRPr>
           </a:p>
         </p:txBody>
       </p:sp>
@@ -6421,23 +6519,7 @@
                   <a:srgbClr val="FFFFFF"/>
                 </a:solidFill>
               </a:rPr>
-              <a:t>支持在</a:t>
-            </a:r>
-            <a:r>
-              <a:rPr lang="zh-CN" altLang="en-US" dirty="0" smtClean="0">
-                <a:solidFill>
-                  <a:srgbClr val="FFFFFF"/>
-                </a:solidFill>
-              </a:rPr>
-              <a:t>服务端</a:t>
-            </a:r>
-            <a:r>
-              <a:rPr lang="zh-CN" altLang="en-US" dirty="0" smtClean="0">
-                <a:solidFill>
-                  <a:srgbClr val="FFFFFF"/>
-                </a:solidFill>
-              </a:rPr>
-              <a:t>使用</a:t>
+              <a:t>支持在服务端使用</a:t>
             </a:r>
             <a:r>
               <a:rPr lang="en-US" altLang="zh-CN" dirty="0" err="1" smtClean="0">
@@ -6676,7 +6758,7 @@
         <p:spPr>
           <a:xfrm>
             <a:off x="756318" y="1913758"/>
-            <a:ext cx="2142120" cy="369332"/>
+            <a:ext cx="1685077" cy="369332"/>
           </a:xfrm>
           <a:prstGeom prst="rect">
             <a:avLst/>
@@ -6689,14 +6771,6 @@
           </a:bodyPr>
           <a:lstStyle/>
           <a:p>
-            <a:r>
-              <a:rPr lang="en-US" dirty="0" smtClean="0">
-                <a:solidFill>
-                  <a:schemeClr val="bg1"/>
-                </a:solidFill>
-              </a:rPr>
-              <a:t>Dom</a:t>
-            </a:r>
             <a:r>
               <a:rPr lang="zh-CN" altLang="en-US" dirty="0" smtClean="0">
                 <a:solidFill>
@@ -6814,7 +6888,7 @@
         </p:blipFill>
         <p:spPr>
           <a:xfrm>
-            <a:off x="351965" y="1722355"/>
+            <a:off x="351965" y="3177516"/>
             <a:ext cx="8467075" cy="1701767"/>
           </a:xfrm>
           <a:prstGeom prst="rect">
@@ -6822,30 +6896,44 @@
           </a:prstGeom>
         </p:spPr>
       </p:pic>
-      <p:pic>
-        <p:nvPicPr>
-          <p:cNvPr id="6" name="Picture 5"/>
-          <p:cNvPicPr>
-            <a:picLocks noChangeAspect="1"/>
-          </p:cNvPicPr>
+      <p:sp>
+        <p:nvSpPr>
+          <p:cNvPr id="3" name="TextBox 2"/>
+          <p:cNvSpPr txBox="1"/>
           <p:nvPr/>
-        </p:nvPicPr>
-        <p:blipFill>
-          <a:blip r:embed="rId3"/>
-          <a:stretch>
-            <a:fillRect/>
-          </a:stretch>
-        </p:blipFill>
-        <p:spPr>
-          <a:xfrm>
-            <a:off x="4216988" y="251832"/>
-            <a:ext cx="4145962" cy="6344579"/>
+        </p:nvSpPr>
+        <p:spPr>
+          <a:xfrm>
+            <a:off x="599751" y="1950108"/>
+            <a:ext cx="1107996" cy="369332"/>
           </a:xfrm>
           <a:prstGeom prst="rect">
             <a:avLst/>
           </a:prstGeom>
-        </p:spPr>
-      </p:pic>
+          <a:noFill/>
+        </p:spPr>
+        <p:txBody>
+          <a:bodyPr wrap="none" rtlCol="0">
+            <a:spAutoFit/>
+          </a:bodyPr>
+          <a:lstStyle/>
+          <a:p>
+            <a:r>
+              <a:rPr lang="en-US" dirty="0" smtClean="0">
+                <a:solidFill>
+                  <a:schemeClr val="bg1"/>
+                </a:solidFill>
+              </a:rPr>
+              <a:t>组件创建</a:t>
+            </a:r>
+            <a:endParaRPr lang="en-US" dirty="0">
+              <a:solidFill>
+                <a:schemeClr val="bg1"/>
+              </a:solidFill>
+            </a:endParaRPr>
+          </a:p>
+        </p:txBody>
+      </p:sp>
     </p:spTree>
     <p:extLst>
       <p:ext uri="{BB962C8B-B14F-4D97-AF65-F5344CB8AC3E}">
@@ -6955,27 +7043,172 @@
                       </p:childTnLst>
                     </p:cTn>
                   </p:par>
+                </p:childTnLst>
+              </p:cTn>
+              <p:prevCondLst>
+                <p:cond evt="onPrev" delay="0">
+                  <p:tgtEl>
+                    <p:sldTgt/>
+                  </p:tgtEl>
+                </p:cond>
+              </p:prevCondLst>
+              <p:nextCondLst>
+                <p:cond evt="onNext" delay="0">
+                  <p:tgtEl>
+                    <p:sldTgt/>
+                  </p:tgtEl>
+                </p:cond>
+              </p:nextCondLst>
+            </p:seq>
+          </p:childTnLst>
+        </p:cTn>
+      </p:par>
+    </p:tnLst>
+  </p:timing>
+</p:sld>
+</file>
+
+<file path=ppt/slides/slide9.xml><?xml version="1.0" encoding="utf-8"?>
+<p:sld xmlns:a="http://schemas.openxmlformats.org/drawingml/2006/main" xmlns:r="http://schemas.openxmlformats.org/officeDocument/2006/relationships" xmlns:p="http://schemas.openxmlformats.org/presentationml/2006/main">
+  <p:cSld>
+    <p:spTree>
+      <p:nvGrpSpPr>
+        <p:cNvPr id="1" name=""/>
+        <p:cNvGrpSpPr/>
+        <p:nvPr/>
+      </p:nvGrpSpPr>
+      <p:grpSpPr>
+        <a:xfrm>
+          <a:off x="0" y="0"/>
+          <a:ext cx="0" cy="0"/>
+          <a:chOff x="0" y="0"/>
+          <a:chExt cx="0" cy="0"/>
+        </a:xfrm>
+      </p:grpSpPr>
+      <p:sp>
+        <p:nvSpPr>
+          <p:cNvPr id="2" name="Title 1"/>
+          <p:cNvSpPr>
+            <a:spLocks noGrp="1"/>
+          </p:cNvSpPr>
+          <p:nvPr>
+            <p:ph type="title"/>
+          </p:nvPr>
+        </p:nvSpPr>
+        <p:spPr/>
+        <p:txBody>
+          <a:bodyPr/>
+          <a:lstStyle/>
+          <a:p>
+            <a:r>
+              <a:rPr lang="en-US" dirty="0" smtClean="0"/>
+              <a:t>Virtual Dom</a:t>
+            </a:r>
+            <a:endParaRPr lang="en-US" dirty="0"/>
+          </a:p>
+        </p:txBody>
+      </p:sp>
+      <p:pic>
+        <p:nvPicPr>
+          <p:cNvPr id="6" name="Picture 5"/>
+          <p:cNvPicPr>
+            <a:picLocks noChangeAspect="1"/>
+          </p:cNvPicPr>
+          <p:nvPr/>
+        </p:nvPicPr>
+        <p:blipFill>
+          <a:blip r:embed="rId2"/>
+          <a:stretch>
+            <a:fillRect/>
+          </a:stretch>
+        </p:blipFill>
+        <p:spPr>
+          <a:xfrm>
+            <a:off x="4216988" y="251832"/>
+            <a:ext cx="4145962" cy="6344579"/>
+          </a:xfrm>
+          <a:prstGeom prst="rect">
+            <a:avLst/>
+          </a:prstGeom>
+        </p:spPr>
+      </p:pic>
+      <p:sp>
+        <p:nvSpPr>
+          <p:cNvPr id="3" name="TextBox 2"/>
+          <p:cNvSpPr txBox="1"/>
+          <p:nvPr/>
+        </p:nvSpPr>
+        <p:spPr>
+          <a:xfrm>
+            <a:off x="599751" y="1950108"/>
+            <a:ext cx="1569660" cy="369332"/>
+          </a:xfrm>
+          <a:prstGeom prst="rect">
+            <a:avLst/>
+          </a:prstGeom>
+          <a:noFill/>
+        </p:spPr>
+        <p:txBody>
+          <a:bodyPr wrap="none" rtlCol="0">
+            <a:spAutoFit/>
+          </a:bodyPr>
+          <a:lstStyle/>
+          <a:p>
+            <a:r>
+              <a:rPr lang="en-US" dirty="0" smtClean="0">
+                <a:solidFill>
+                  <a:schemeClr val="bg1"/>
+                </a:solidFill>
+              </a:rPr>
+              <a:t>组件生命同期</a:t>
+            </a:r>
+            <a:endParaRPr lang="en-US" dirty="0">
+              <a:solidFill>
+                <a:schemeClr val="bg1"/>
+              </a:solidFill>
+            </a:endParaRPr>
+          </a:p>
+        </p:txBody>
+      </p:sp>
+    </p:spTree>
+    <p:extLst>
+      <p:ext uri="{BB962C8B-B14F-4D97-AF65-F5344CB8AC3E}">
+        <p14:creationId xmlns:p14="http://schemas.microsoft.com/office/powerpoint/2010/main" val="2414027084"/>
+      </p:ext>
+    </p:extLst>
+  </p:cSld>
+  <p:clrMapOvr>
+    <a:masterClrMapping/>
+  </p:clrMapOvr>
+  <p:timing>
+    <p:tnLst>
+      <p:par>
+        <p:cTn xmlns:p14="http://schemas.microsoft.com/office/powerpoint/2010/main" id="1" dur="indefinite" restart="never" nodeType="tmRoot">
+          <p:childTnLst>
+            <p:seq concurrent="1" nextAc="seek">
+              <p:cTn id="2" dur="indefinite" nodeType="mainSeq">
+                <p:childTnLst>
                   <p:par>
-                    <p:cTn id="9" fill="hold">
+                    <p:cTn id="3" fill="hold">
                       <p:stCondLst>
                         <p:cond delay="indefinite"/>
                       </p:stCondLst>
                       <p:childTnLst>
                         <p:par>
-                          <p:cTn id="10" fill="hold">
+                          <p:cTn id="4" fill="hold">
                             <p:stCondLst>
                               <p:cond delay="0"/>
                             </p:stCondLst>
                             <p:childTnLst>
                               <p:par>
-                                <p:cTn id="11" presetID="2" presetClass="entr" presetSubtype="4" fill="hold" nodeType="clickEffect">
+                                <p:cTn id="5" presetID="2" presetClass="entr" presetSubtype="4" fill="hold" nodeType="clickEffect">
                                   <p:stCondLst>
                                     <p:cond delay="0"/>
                                   </p:stCondLst>
                                   <p:childTnLst>
                                     <p:set>
                                       <p:cBhvr>
-                                        <p:cTn id="12" dur="1" fill="hold">
+                                        <p:cTn id="6" dur="1" fill="hold">
                                           <p:stCondLst>
                                             <p:cond delay="0"/>
                                           </p:stCondLst>
@@ -6993,7 +7226,7 @@
                                     </p:set>
                                     <p:anim calcmode="lin" valueType="num">
                                       <p:cBhvr additive="base">
-                                        <p:cTn id="13" dur="500" fill="hold"/>
+                                        <p:cTn id="7" dur="500" fill="hold"/>
                                         <p:tgtEl>
                                           <p:spTgt spid="6"/>
                                         </p:tgtEl>
@@ -7016,7 +7249,7 @@
                                     </p:anim>
                                     <p:anim calcmode="lin" valueType="num">
                                       <p:cBhvr additive="base">
-                                        <p:cTn id="14" dur="500" fill="hold"/>
+                                        <p:cTn id="8" dur="500" fill="hold"/>
                                         <p:tgtEl>
                                           <p:spTgt spid="6"/>
                                         </p:tgtEl>
@@ -7068,79 +7301,6 @@
       </p:par>
     </p:tnLst>
   </p:timing>
-</p:sld>
-</file>
-
-<file path=ppt/slides/slide9.xml><?xml version="1.0" encoding="utf-8"?>
-<p:sld xmlns:a="http://schemas.openxmlformats.org/drawingml/2006/main" xmlns:r="http://schemas.openxmlformats.org/officeDocument/2006/relationships" xmlns:p="http://schemas.openxmlformats.org/presentationml/2006/main">
-  <p:cSld>
-    <p:spTree>
-      <p:nvGrpSpPr>
-        <p:cNvPr id="1" name=""/>
-        <p:cNvGrpSpPr/>
-        <p:nvPr/>
-      </p:nvGrpSpPr>
-      <p:grpSpPr>
-        <a:xfrm>
-          <a:off x="0" y="0"/>
-          <a:ext cx="0" cy="0"/>
-          <a:chOff x="0" y="0"/>
-          <a:chExt cx="0" cy="0"/>
-        </a:xfrm>
-      </p:grpSpPr>
-      <p:sp>
-        <p:nvSpPr>
-          <p:cNvPr id="2" name="Title 1"/>
-          <p:cNvSpPr>
-            <a:spLocks noGrp="1"/>
-          </p:cNvSpPr>
-          <p:nvPr>
-            <p:ph type="title"/>
-          </p:nvPr>
-        </p:nvSpPr>
-        <p:spPr/>
-        <p:txBody>
-          <a:bodyPr/>
-          <a:lstStyle/>
-          <a:p>
-            <a:endParaRPr lang="en-US"/>
-          </a:p>
-        </p:txBody>
-      </p:sp>
-      <p:pic>
-        <p:nvPicPr>
-          <p:cNvPr id="7" name="Picture 6"/>
-          <p:cNvPicPr>
-            <a:picLocks noChangeAspect="1"/>
-          </p:cNvPicPr>
-          <p:nvPr/>
-        </p:nvPicPr>
-        <p:blipFill>
-          <a:blip r:embed="rId2"/>
-          <a:stretch>
-            <a:fillRect/>
-          </a:stretch>
-        </p:blipFill>
-        <p:spPr>
-          <a:xfrm>
-            <a:off x="270201" y="2315840"/>
-            <a:ext cx="8610356" cy="2943233"/>
-          </a:xfrm>
-          <a:prstGeom prst="rect">
-            <a:avLst/>
-          </a:prstGeom>
-        </p:spPr>
-      </p:pic>
-    </p:spTree>
-    <p:extLst>
-      <p:ext uri="{BB962C8B-B14F-4D97-AF65-F5344CB8AC3E}">
-        <p14:creationId xmlns:p14="http://schemas.microsoft.com/office/powerpoint/2010/main" val="1552571084"/>
-      </p:ext>
-    </p:extLst>
-  </p:cSld>
-  <p:clrMapOvr>
-    <a:masterClrMapping/>
-  </p:clrMapOvr>
 </p:sld>
 </file>
 

--- a/ppt/ReactNative初探.pptx
+++ b/ppt/ReactNative初探.pptx
@@ -16,6 +16,7 @@
     <p:sldId id="266" r:id="rId10"/>
     <p:sldId id="265" r:id="rId11"/>
     <p:sldId id="259" r:id="rId12"/>
+    <p:sldId id="267" r:id="rId13"/>
   </p:sldIdLst>
   <p:sldSz cx="9144000" cy="6858000" type="screen4x3"/>
   <p:notesSz cx="6858000" cy="9144000"/>
@@ -5427,15 +5428,15 @@
           <a:lstStyle/>
           <a:p>
             <a:r>
-              <a:rPr lang="en-US"/>
+              <a:rPr lang="en-US" dirty="0"/>
               <a:t>React </a:t>
             </a:r>
             <a:r>
-              <a:rPr lang="en-US" smtClean="0"/>
+              <a:rPr lang="en-US" dirty="0" smtClean="0"/>
               <a:t>Native 初</a:t>
             </a:r>
             <a:r>
-              <a:rPr lang="en-US" dirty="0" err="1" smtClean="0"/>
+              <a:rPr lang="en-US" dirty="0" smtClean="0"/>
               <a:t>探</a:t>
             </a:r>
             <a:endParaRPr lang="en-US" dirty="0"/>
@@ -5676,6 +5677,64 @@
     <p:extLst>
       <p:ext uri="{BB962C8B-B14F-4D97-AF65-F5344CB8AC3E}">
         <p14:creationId xmlns:p14="http://schemas.microsoft.com/office/powerpoint/2010/main" val="3818992611"/>
+      </p:ext>
+    </p:extLst>
+  </p:cSld>
+  <p:clrMapOvr>
+    <a:masterClrMapping/>
+  </p:clrMapOvr>
+</p:sld>
+</file>
+
+<file path=ppt/slides/slide12.xml><?xml version="1.0" encoding="utf-8"?>
+<p:sld xmlns:a="http://schemas.openxmlformats.org/drawingml/2006/main" xmlns:r="http://schemas.openxmlformats.org/officeDocument/2006/relationships" xmlns:p="http://schemas.openxmlformats.org/presentationml/2006/main">
+  <p:cSld>
+    <p:spTree>
+      <p:nvGrpSpPr>
+        <p:cNvPr id="1" name=""/>
+        <p:cNvGrpSpPr/>
+        <p:nvPr/>
+      </p:nvGrpSpPr>
+      <p:grpSpPr>
+        <a:xfrm>
+          <a:off x="0" y="0"/>
+          <a:ext cx="0" cy="0"/>
+          <a:chOff x="0" y="0"/>
+          <a:chExt cx="0" cy="0"/>
+        </a:xfrm>
+      </p:grpSpPr>
+      <p:sp>
+        <p:nvSpPr>
+          <p:cNvPr id="2" name="Title 1"/>
+          <p:cNvSpPr>
+            <a:spLocks noGrp="1"/>
+          </p:cNvSpPr>
+          <p:nvPr>
+            <p:ph type="title"/>
+          </p:nvPr>
+        </p:nvSpPr>
+        <p:spPr>
+          <a:xfrm>
+            <a:off x="3919337" y="2569927"/>
+            <a:ext cx="2589727" cy="1044388"/>
+          </a:xfrm>
+        </p:spPr>
+        <p:txBody>
+          <a:bodyPr/>
+          <a:lstStyle/>
+          <a:p>
+            <a:r>
+              <a:rPr lang="en-US" dirty="0" smtClean="0"/>
+              <a:t>DEMOS</a:t>
+            </a:r>
+            <a:endParaRPr lang="en-US" dirty="0"/>
+          </a:p>
+        </p:txBody>
+      </p:sp>
+    </p:spTree>
+    <p:extLst>
+      <p:ext uri="{BB962C8B-B14F-4D97-AF65-F5344CB8AC3E}">
+        <p14:creationId xmlns:p14="http://schemas.microsoft.com/office/powerpoint/2010/main" val="809969388"/>
       </p:ext>
     </p:extLst>
   </p:cSld>
